--- a/Introduction to Predictive Analytics.pptx
+++ b/Introduction to Predictive Analytics.pptx
@@ -314,7 +314,7 @@
           <a:p>
             <a:fld id="{483526C7-5D4A-4AA7-A3AD-A8FCFC4E2F1F}" type="datetimeFigureOut">
               <a:rPr lang="en-US" smtClean="0"/>
-              <a:t>9/25/2017</a:t>
+              <a:t>9/26/2017</a:t>
             </a:fld>
             <a:endParaRPr lang="en-US"/>
           </a:p>
@@ -589,7 +589,7 @@
           <a:p>
             <a:fld id="{483526C7-5D4A-4AA7-A3AD-A8FCFC4E2F1F}" type="datetimeFigureOut">
               <a:rPr lang="en-US" smtClean="0"/>
-              <a:t>9/25/2017</a:t>
+              <a:t>9/26/2017</a:t>
             </a:fld>
             <a:endParaRPr lang="en-US"/>
           </a:p>
@@ -783,7 +783,7 @@
           <a:p>
             <a:fld id="{483526C7-5D4A-4AA7-A3AD-A8FCFC4E2F1F}" type="datetimeFigureOut">
               <a:rPr lang="en-US" smtClean="0"/>
-              <a:t>9/25/2017</a:t>
+              <a:t>9/26/2017</a:t>
             </a:fld>
             <a:endParaRPr lang="en-US"/>
           </a:p>
@@ -1056,7 +1056,7 @@
           <a:p>
             <a:fld id="{483526C7-5D4A-4AA7-A3AD-A8FCFC4E2F1F}" type="datetimeFigureOut">
               <a:rPr lang="en-US" smtClean="0"/>
-              <a:t>9/25/2017</a:t>
+              <a:t>9/26/2017</a:t>
             </a:fld>
             <a:endParaRPr lang="en-US"/>
           </a:p>
@@ -1397,7 +1397,7 @@
           <a:p>
             <a:fld id="{483526C7-5D4A-4AA7-A3AD-A8FCFC4E2F1F}" type="datetimeFigureOut">
               <a:rPr lang="en-US" smtClean="0"/>
-              <a:t>9/25/2017</a:t>
+              <a:t>9/26/2017</a:t>
             </a:fld>
             <a:endParaRPr lang="en-US"/>
           </a:p>
@@ -2020,7 +2020,7 @@
           <a:p>
             <a:fld id="{483526C7-5D4A-4AA7-A3AD-A8FCFC4E2F1F}" type="datetimeFigureOut">
               <a:rPr lang="en-US" smtClean="0"/>
-              <a:t>9/25/2017</a:t>
+              <a:t>9/26/2017</a:t>
             </a:fld>
             <a:endParaRPr lang="en-US"/>
           </a:p>
@@ -2880,7 +2880,7 @@
           <a:p>
             <a:fld id="{483526C7-5D4A-4AA7-A3AD-A8FCFC4E2F1F}" type="datetimeFigureOut">
               <a:rPr lang="en-US" smtClean="0"/>
-              <a:t>9/25/2017</a:t>
+              <a:t>9/26/2017</a:t>
             </a:fld>
             <a:endParaRPr lang="en-US"/>
           </a:p>
@@ -3050,7 +3050,7 @@
           <a:p>
             <a:fld id="{483526C7-5D4A-4AA7-A3AD-A8FCFC4E2F1F}" type="datetimeFigureOut">
               <a:rPr lang="en-US" smtClean="0"/>
-              <a:t>9/25/2017</a:t>
+              <a:t>9/26/2017</a:t>
             </a:fld>
             <a:endParaRPr lang="en-US"/>
           </a:p>
@@ -3230,7 +3230,7 @@
           <a:p>
             <a:fld id="{483526C7-5D4A-4AA7-A3AD-A8FCFC4E2F1F}" type="datetimeFigureOut">
               <a:rPr lang="en-US" smtClean="0"/>
-              <a:t>9/25/2017</a:t>
+              <a:t>9/26/2017</a:t>
             </a:fld>
             <a:endParaRPr lang="en-US"/>
           </a:p>
@@ -3400,7 +3400,7 @@
           <a:p>
             <a:fld id="{483526C7-5D4A-4AA7-A3AD-A8FCFC4E2F1F}" type="datetimeFigureOut">
               <a:rPr lang="en-US" smtClean="0"/>
-              <a:t>9/25/2017</a:t>
+              <a:t>9/26/2017</a:t>
             </a:fld>
             <a:endParaRPr lang="en-US"/>
           </a:p>
@@ -3647,7 +3647,7 @@
           <a:p>
             <a:fld id="{483526C7-5D4A-4AA7-A3AD-A8FCFC4E2F1F}" type="datetimeFigureOut">
               <a:rPr lang="en-US" smtClean="0"/>
-              <a:t>9/25/2017</a:t>
+              <a:t>9/26/2017</a:t>
             </a:fld>
             <a:endParaRPr lang="en-US"/>
           </a:p>
@@ -3939,7 +3939,7 @@
           <a:p>
             <a:fld id="{483526C7-5D4A-4AA7-A3AD-A8FCFC4E2F1F}" type="datetimeFigureOut">
               <a:rPr lang="en-US" smtClean="0"/>
-              <a:t>9/25/2017</a:t>
+              <a:t>9/26/2017</a:t>
             </a:fld>
             <a:endParaRPr lang="en-US"/>
           </a:p>
@@ -4383,7 +4383,7 @@
           <a:p>
             <a:fld id="{483526C7-5D4A-4AA7-A3AD-A8FCFC4E2F1F}" type="datetimeFigureOut">
               <a:rPr lang="en-US" smtClean="0"/>
-              <a:t>9/25/2017</a:t>
+              <a:t>9/26/2017</a:t>
             </a:fld>
             <a:endParaRPr lang="en-US"/>
           </a:p>
@@ -4501,7 +4501,7 @@
           <a:p>
             <a:fld id="{483526C7-5D4A-4AA7-A3AD-A8FCFC4E2F1F}" type="datetimeFigureOut">
               <a:rPr lang="en-US" smtClean="0"/>
-              <a:t>9/25/2017</a:t>
+              <a:t>9/26/2017</a:t>
             </a:fld>
             <a:endParaRPr lang="en-US"/>
           </a:p>
@@ -4596,7 +4596,7 @@
           <a:p>
             <a:fld id="{483526C7-5D4A-4AA7-A3AD-A8FCFC4E2F1F}" type="datetimeFigureOut">
               <a:rPr lang="en-US" smtClean="0"/>
-              <a:t>9/25/2017</a:t>
+              <a:t>9/26/2017</a:t>
             </a:fld>
             <a:endParaRPr lang="en-US"/>
           </a:p>
@@ -4875,7 +4875,7 @@
           <a:p>
             <a:fld id="{483526C7-5D4A-4AA7-A3AD-A8FCFC4E2F1F}" type="datetimeFigureOut">
               <a:rPr lang="en-US" smtClean="0"/>
-              <a:t>9/25/2017</a:t>
+              <a:t>9/26/2017</a:t>
             </a:fld>
             <a:endParaRPr lang="en-US"/>
           </a:p>
@@ -5150,7 +5150,7 @@
           <a:p>
             <a:fld id="{483526C7-5D4A-4AA7-A3AD-A8FCFC4E2F1F}" type="datetimeFigureOut">
               <a:rPr lang="en-US" smtClean="0"/>
-              <a:t>9/25/2017</a:t>
+              <a:t>9/26/2017</a:t>
             </a:fld>
             <a:endParaRPr lang="en-US"/>
           </a:p>
@@ -5715,7 +5715,7 @@
           <a:p>
             <a:fld id="{483526C7-5D4A-4AA7-A3AD-A8FCFC4E2F1F}" type="datetimeFigureOut">
               <a:rPr lang="en-US" smtClean="0"/>
-              <a:t>9/25/2017</a:t>
+              <a:t>9/26/2017</a:t>
             </a:fld>
             <a:endParaRPr lang="en-US"/>
           </a:p>
@@ -8224,7 +8224,12 @@
             <p:ph idx="1"/>
           </p:nvPr>
         </p:nvSpPr>
-        <p:spPr/>
+        <p:spPr>
+          <a:xfrm>
+            <a:off x="827700" y="2052925"/>
+            <a:ext cx="7558654" cy="4195481"/>
+          </a:xfrm>
+        </p:spPr>
         <p:txBody>
           <a:bodyPr/>
           <a:lstStyle/>
@@ -8255,8 +8260,19 @@
             <a:pPr lvl="1"/>
             <a:r>
               <a:rPr lang="en-US" dirty="0"/>
-              <a:t>Download this presentation and the associated code from git: </a:t>
-            </a:r>
+              <a:t>Download this presentation and the associated code from git:  </a:t>
+            </a:r>
+            <a:r>
+              <a:rPr lang="en-US" dirty="0">
+                <a:hlinkClick r:id="rId3"/>
+              </a:rPr>
+              <a:t>https://github.com/russbramblett/PredictiveAnalytics</a:t>
+            </a:r>
+            <a:endParaRPr lang="en-US" dirty="0"/>
+          </a:p>
+          <a:p>
+            <a:pPr lvl="1"/>
+            <a:endParaRPr lang="en-US" dirty="0"/>
           </a:p>
         </p:txBody>
       </p:sp>
